--- a/docs/presentation/GroupStudy-presentation_Rus.pptx
+++ b/docs/presentation/GroupStudy-presentation_Rus.pptx
@@ -187,7 +187,7 @@
                 </a:uFill>
                 <a:latin typeface="Times New Roman"/>
               </a:rPr>
-              <a:t>&lt;заголовок&gt;</a:t>
+              <a:t> </a:t>
             </a:r>
             <a:endParaRPr b="0" lang="ru-RU" sz="1400" spc="-1" strike="noStrike">
               <a:solidFill>
@@ -238,7 +238,7 @@
                 </a:uFill>
                 <a:latin typeface="Times New Roman"/>
               </a:rPr>
-              <a:t>&lt;дата/время&gt;</a:t>
+              <a:t> </a:t>
             </a:r>
             <a:endParaRPr b="0" lang="ru-RU" sz="1400" spc="-1" strike="noStrike">
               <a:solidFill>
@@ -288,7 +288,7 @@
                 </a:uFill>
                 <a:latin typeface="Times New Roman"/>
               </a:rPr>
-              <a:t>&lt;нижний колонтитул&gt;</a:t>
+              <a:t> </a:t>
             </a:r>
             <a:endParaRPr b="0" lang="ru-RU" sz="1400" spc="-1" strike="noStrike">
               <a:solidFill>
@@ -327,7 +327,7 @@
           <a:bodyPr lIns="0" rIns="0" tIns="0" bIns="0" anchor="b"/>
           <a:p>
             <a:pPr algn="r"/>
-            <a:fld id="{0B99F453-C4BF-44BA-80BD-6463AF1BADF2}" type="slidenum">
+            <a:fld id="{68D50B22-CCBC-4383-9E52-61862FE3BECE}" type="slidenum">
               <a:rPr b="0" lang="ru-RU" sz="1400" spc="-1" strike="noStrike">
                 <a:solidFill>
                   <a:srgbClr val="000000"/>
@@ -339,7 +339,7 @@
                 </a:uFill>
                 <a:latin typeface="Times New Roman"/>
               </a:rPr>
-              <a:t>&lt;номер&gt;</a:t>
+              <a:t>1</a:t>
             </a:fld>
             <a:endParaRPr b="0" lang="ru-RU" sz="1400" spc="-1" strike="noStrike">
               <a:solidFill>
@@ -391,7 +391,7 @@
         <p:spPr>
           <a:xfrm>
             <a:off x="685800" y="4343400"/>
-            <a:ext cx="5484960" cy="4113360"/>
+            <a:ext cx="5484600" cy="4113000"/>
           </a:xfrm>
           <a:prstGeom prst="rect">
             <a:avLst/>
@@ -437,7 +437,7 @@
         <p:spPr>
           <a:xfrm>
             <a:off x="3884760" y="8685360"/>
-            <a:ext cx="2970360" cy="455760"/>
+            <a:ext cx="2970000" cy="455400"/>
           </a:xfrm>
           <a:prstGeom prst="rect">
             <a:avLst/>
@@ -461,7 +461,7 @@
                 <a:spcPct val="100000"/>
               </a:lnSpc>
             </a:pPr>
-            <a:fld id="{D7517EC7-9EAA-438A-9116-D554890E1452}" type="slidenum">
+            <a:fld id="{4D14ABB5-98C0-4BF4-826F-4D4E850A1CF8}" type="slidenum">
               <a:rPr b="0" lang="ru-RU" sz="1200" spc="-1" strike="noStrike">
                 <a:solidFill>
                   <a:srgbClr val="000000"/>
@@ -547,7 +547,7 @@
         <p:spPr>
           <a:xfrm>
             <a:off x="457200" y="-69840"/>
-            <a:ext cx="8228160" cy="1250280"/>
+            <a:ext cx="8227800" cy="1250280"/>
           </a:xfrm>
           <a:prstGeom prst="rect">
             <a:avLst/>
@@ -584,7 +584,7 @@
         <p:spPr>
           <a:xfrm>
             <a:off x="457200" y="1600200"/>
-            <a:ext cx="468360" cy="2157840"/>
+            <a:ext cx="227880" cy="2157840"/>
           </a:xfrm>
           <a:prstGeom prst="rect">
             <a:avLst/>
@@ -620,7 +620,7 @@
         <p:spPr>
           <a:xfrm>
             <a:off x="457200" y="3963600"/>
-            <a:ext cx="468360" cy="2157840"/>
+            <a:ext cx="227880" cy="2157840"/>
           </a:xfrm>
           <a:prstGeom prst="rect">
             <a:avLst/>
@@ -678,7 +678,7 @@
         <p:spPr>
           <a:xfrm>
             <a:off x="457200" y="-69840"/>
-            <a:ext cx="8228160" cy="1250280"/>
+            <a:ext cx="8227800" cy="1250280"/>
           </a:xfrm>
           <a:prstGeom prst="rect">
             <a:avLst/>
@@ -715,7 +715,7 @@
         <p:spPr>
           <a:xfrm>
             <a:off x="457200" y="1600200"/>
-            <a:ext cx="228240" cy="2157840"/>
+            <a:ext cx="110880" cy="2157840"/>
           </a:xfrm>
           <a:prstGeom prst="rect">
             <a:avLst/>
@@ -750,8 +750,8 @@
         </p:nvSpPr>
         <p:spPr>
           <a:xfrm>
-            <a:off x="697320" y="1600200"/>
-            <a:ext cx="228240" cy="2157840"/>
+            <a:off x="573840" y="1600200"/>
+            <a:ext cx="110880" cy="2157840"/>
           </a:xfrm>
           <a:prstGeom prst="rect">
             <a:avLst/>
@@ -786,8 +786,8 @@
         </p:nvSpPr>
         <p:spPr>
           <a:xfrm>
-            <a:off x="697320" y="3963600"/>
-            <a:ext cx="228240" cy="2157840"/>
+            <a:off x="573840" y="3963600"/>
+            <a:ext cx="110880" cy="2157840"/>
           </a:xfrm>
           <a:prstGeom prst="rect">
             <a:avLst/>
@@ -823,7 +823,7 @@
         <p:spPr>
           <a:xfrm>
             <a:off x="457200" y="3963600"/>
-            <a:ext cx="228240" cy="2157840"/>
+            <a:ext cx="110880" cy="2157840"/>
           </a:xfrm>
           <a:prstGeom prst="rect">
             <a:avLst/>
@@ -881,7 +881,7 @@
         <p:spPr>
           <a:xfrm>
             <a:off x="457200" y="-69840"/>
-            <a:ext cx="8228160" cy="1250280"/>
+            <a:ext cx="8227800" cy="1250280"/>
           </a:xfrm>
           <a:prstGeom prst="rect">
             <a:avLst/>
@@ -918,7 +918,7 @@
         <p:spPr>
           <a:xfrm>
             <a:off x="457200" y="1600200"/>
-            <a:ext cx="468360" cy="4524480"/>
+            <a:ext cx="227880" cy="4524120"/>
           </a:xfrm>
           <a:prstGeom prst="rect">
             <a:avLst/>
@@ -954,7 +954,7 @@
         <p:spPr>
           <a:xfrm>
             <a:off x="457200" y="1600200"/>
-            <a:ext cx="468360" cy="4524480"/>
+            <a:ext cx="227880" cy="4524120"/>
           </a:xfrm>
           <a:prstGeom prst="rect">
             <a:avLst/>
@@ -989,8 +989,8 @@
         </p:blipFill>
         <p:spPr>
           <a:xfrm>
-            <a:off x="456840" y="3675600"/>
-            <a:ext cx="468360" cy="373320"/>
+            <a:off x="456840" y="3771360"/>
+            <a:ext cx="227880" cy="181440"/>
           </a:xfrm>
           <a:prstGeom prst="rect">
             <a:avLst/>
@@ -1012,8 +1012,8 @@
         </p:blipFill>
         <p:spPr>
           <a:xfrm>
-            <a:off x="456840" y="3675600"/>
-            <a:ext cx="468360" cy="373320"/>
+            <a:off x="456840" y="3771360"/>
+            <a:ext cx="227880" cy="181440"/>
           </a:xfrm>
           <a:prstGeom prst="rect">
             <a:avLst/>
@@ -1080,7 +1080,7 @@
         <p:spPr>
           <a:xfrm>
             <a:off x="457200" y="-69840"/>
-            <a:ext cx="8228160" cy="1250280"/>
+            <a:ext cx="8227800" cy="1250280"/>
           </a:xfrm>
           <a:prstGeom prst="rect">
             <a:avLst/>
@@ -1116,8 +1116,8 @@
         </p:nvSpPr>
         <p:spPr>
           <a:xfrm>
-            <a:off x="457200" y="-695160"/>
-            <a:ext cx="468360" cy="9115560"/>
+            <a:off x="457200" y="-2995560"/>
+            <a:ext cx="227880" cy="13716000"/>
           </a:xfrm>
           <a:prstGeom prst="rect">
             <a:avLst/>
@@ -1176,7 +1176,7 @@
         <p:spPr>
           <a:xfrm>
             <a:off x="457200" y="-69840"/>
-            <a:ext cx="8228160" cy="1250280"/>
+            <a:ext cx="8227800" cy="1250280"/>
           </a:xfrm>
           <a:prstGeom prst="rect">
             <a:avLst/>
@@ -1213,7 +1213,7 @@
         <p:spPr>
           <a:xfrm>
             <a:off x="457200" y="1600200"/>
-            <a:ext cx="468360" cy="4524480"/>
+            <a:ext cx="227880" cy="4524120"/>
           </a:xfrm>
           <a:prstGeom prst="rect">
             <a:avLst/>
@@ -1271,7 +1271,7 @@
         <p:spPr>
           <a:xfrm>
             <a:off x="457200" y="-69840"/>
-            <a:ext cx="8228160" cy="1250280"/>
+            <a:ext cx="8227800" cy="1250280"/>
           </a:xfrm>
           <a:prstGeom prst="rect">
             <a:avLst/>
@@ -1308,7 +1308,7 @@
         <p:spPr>
           <a:xfrm>
             <a:off x="457200" y="1600200"/>
-            <a:ext cx="228240" cy="4524480"/>
+            <a:ext cx="110880" cy="4524120"/>
           </a:xfrm>
           <a:prstGeom prst="rect">
             <a:avLst/>
@@ -1343,8 +1343,8 @@
         </p:nvSpPr>
         <p:spPr>
           <a:xfrm>
-            <a:off x="697320" y="1600200"/>
-            <a:ext cx="228240" cy="4524480"/>
+            <a:off x="573840" y="1600200"/>
+            <a:ext cx="110880" cy="4524120"/>
           </a:xfrm>
           <a:prstGeom prst="rect">
             <a:avLst/>
@@ -1402,7 +1402,7 @@
         <p:spPr>
           <a:xfrm>
             <a:off x="457200" y="-69840"/>
-            <a:ext cx="8228160" cy="1250280"/>
+            <a:ext cx="8227800" cy="1250280"/>
           </a:xfrm>
           <a:prstGeom prst="rect">
             <a:avLst/>
@@ -1461,7 +1461,7 @@
         <p:spPr>
           <a:xfrm>
             <a:off x="457200" y="-69840"/>
-            <a:ext cx="8228160" cy="5795280"/>
+            <a:ext cx="8227800" cy="5795280"/>
           </a:xfrm>
           <a:prstGeom prst="rect">
             <a:avLst/>
@@ -1520,7 +1520,7 @@
         <p:spPr>
           <a:xfrm>
             <a:off x="457200" y="-69840"/>
-            <a:ext cx="8228160" cy="1250280"/>
+            <a:ext cx="8227800" cy="1250280"/>
           </a:xfrm>
           <a:prstGeom prst="rect">
             <a:avLst/>
@@ -1557,7 +1557,7 @@
         <p:spPr>
           <a:xfrm>
             <a:off x="457200" y="1600200"/>
-            <a:ext cx="228240" cy="2157840"/>
+            <a:ext cx="110880" cy="2157840"/>
           </a:xfrm>
           <a:prstGeom prst="rect">
             <a:avLst/>
@@ -1593,7 +1593,7 @@
         <p:spPr>
           <a:xfrm>
             <a:off x="457200" y="3963600"/>
-            <a:ext cx="228240" cy="2157840"/>
+            <a:ext cx="110880" cy="2157840"/>
           </a:xfrm>
           <a:prstGeom prst="rect">
             <a:avLst/>
@@ -1628,8 +1628,8 @@
         </p:nvSpPr>
         <p:spPr>
           <a:xfrm>
-            <a:off x="697320" y="1600200"/>
-            <a:ext cx="228240" cy="4524480"/>
+            <a:off x="573840" y="1600200"/>
+            <a:ext cx="110880" cy="4524120"/>
           </a:xfrm>
           <a:prstGeom prst="rect">
             <a:avLst/>
@@ -1687,7 +1687,7 @@
         <p:spPr>
           <a:xfrm>
             <a:off x="457200" y="-69840"/>
-            <a:ext cx="8228160" cy="1250280"/>
+            <a:ext cx="8227800" cy="1250280"/>
           </a:xfrm>
           <a:prstGeom prst="rect">
             <a:avLst/>
@@ -1723,8 +1723,8 @@
         </p:nvSpPr>
         <p:spPr>
           <a:xfrm>
-            <a:off x="457200" y="-695160"/>
-            <a:ext cx="468360" cy="9115560"/>
+            <a:off x="457200" y="-2995560"/>
+            <a:ext cx="227880" cy="13716000"/>
           </a:xfrm>
           <a:prstGeom prst="rect">
             <a:avLst/>
@@ -1783,7 +1783,7 @@
         <p:spPr>
           <a:xfrm>
             <a:off x="457200" y="-69840"/>
-            <a:ext cx="8228160" cy="1250280"/>
+            <a:ext cx="8227800" cy="1250280"/>
           </a:xfrm>
           <a:prstGeom prst="rect">
             <a:avLst/>
@@ -1820,7 +1820,7 @@
         <p:spPr>
           <a:xfrm>
             <a:off x="457200" y="1600200"/>
-            <a:ext cx="228240" cy="4524480"/>
+            <a:ext cx="110880" cy="4524120"/>
           </a:xfrm>
           <a:prstGeom prst="rect">
             <a:avLst/>
@@ -1855,8 +1855,8 @@
         </p:nvSpPr>
         <p:spPr>
           <a:xfrm>
-            <a:off x="697320" y="1600200"/>
-            <a:ext cx="228240" cy="2157840"/>
+            <a:off x="573840" y="1600200"/>
+            <a:ext cx="110880" cy="2157840"/>
           </a:xfrm>
           <a:prstGeom prst="rect">
             <a:avLst/>
@@ -1891,8 +1891,8 @@
         </p:nvSpPr>
         <p:spPr>
           <a:xfrm>
-            <a:off x="697320" y="3963600"/>
-            <a:ext cx="228240" cy="2157840"/>
+            <a:off x="573840" y="3963600"/>
+            <a:ext cx="110880" cy="2157840"/>
           </a:xfrm>
           <a:prstGeom prst="rect">
             <a:avLst/>
@@ -1950,7 +1950,7 @@
         <p:spPr>
           <a:xfrm>
             <a:off x="457200" y="-69840"/>
-            <a:ext cx="8228160" cy="1250280"/>
+            <a:ext cx="8227800" cy="1250280"/>
           </a:xfrm>
           <a:prstGeom prst="rect">
             <a:avLst/>
@@ -1987,7 +1987,7 @@
         <p:spPr>
           <a:xfrm>
             <a:off x="457200" y="1600200"/>
-            <a:ext cx="228240" cy="2157840"/>
+            <a:ext cx="110880" cy="2157840"/>
           </a:xfrm>
           <a:prstGeom prst="rect">
             <a:avLst/>
@@ -2022,8 +2022,8 @@
         </p:nvSpPr>
         <p:spPr>
           <a:xfrm>
-            <a:off x="697320" y="1600200"/>
-            <a:ext cx="228240" cy="2157840"/>
+            <a:off x="573840" y="1600200"/>
+            <a:ext cx="110880" cy="2157840"/>
           </a:xfrm>
           <a:prstGeom prst="rect">
             <a:avLst/>
@@ -2059,7 +2059,7 @@
         <p:spPr>
           <a:xfrm>
             <a:off x="457200" y="3963600"/>
-            <a:ext cx="468360" cy="2157840"/>
+            <a:ext cx="227880" cy="2157840"/>
           </a:xfrm>
           <a:prstGeom prst="rect">
             <a:avLst/>
@@ -2117,7 +2117,7 @@
         <p:spPr>
           <a:xfrm>
             <a:off x="457200" y="-69840"/>
-            <a:ext cx="8228160" cy="1250280"/>
+            <a:ext cx="8227800" cy="1250280"/>
           </a:xfrm>
           <a:prstGeom prst="rect">
             <a:avLst/>
@@ -2154,7 +2154,7 @@
         <p:spPr>
           <a:xfrm>
             <a:off x="457200" y="1600200"/>
-            <a:ext cx="468360" cy="2157840"/>
+            <a:ext cx="227880" cy="2157840"/>
           </a:xfrm>
           <a:prstGeom prst="rect">
             <a:avLst/>
@@ -2190,7 +2190,7 @@
         <p:spPr>
           <a:xfrm>
             <a:off x="457200" y="3963600"/>
-            <a:ext cx="468360" cy="2157840"/>
+            <a:ext cx="227880" cy="2157840"/>
           </a:xfrm>
           <a:prstGeom prst="rect">
             <a:avLst/>
@@ -2248,7 +2248,7 @@
         <p:spPr>
           <a:xfrm>
             <a:off x="457200" y="-69840"/>
-            <a:ext cx="8228160" cy="1250280"/>
+            <a:ext cx="8227800" cy="1250280"/>
           </a:xfrm>
           <a:prstGeom prst="rect">
             <a:avLst/>
@@ -2285,7 +2285,7 @@
         <p:spPr>
           <a:xfrm>
             <a:off x="457200" y="1600200"/>
-            <a:ext cx="228240" cy="2157840"/>
+            <a:ext cx="110880" cy="2157840"/>
           </a:xfrm>
           <a:prstGeom prst="rect">
             <a:avLst/>
@@ -2320,8 +2320,8 @@
         </p:nvSpPr>
         <p:spPr>
           <a:xfrm>
-            <a:off x="697320" y="1600200"/>
-            <a:ext cx="228240" cy="2157840"/>
+            <a:off x="573840" y="1600200"/>
+            <a:ext cx="110880" cy="2157840"/>
           </a:xfrm>
           <a:prstGeom prst="rect">
             <a:avLst/>
@@ -2356,8 +2356,8 @@
         </p:nvSpPr>
         <p:spPr>
           <a:xfrm>
-            <a:off x="697320" y="3963600"/>
-            <a:ext cx="228240" cy="2157840"/>
+            <a:off x="573840" y="3963600"/>
+            <a:ext cx="110880" cy="2157840"/>
           </a:xfrm>
           <a:prstGeom prst="rect">
             <a:avLst/>
@@ -2393,7 +2393,7 @@
         <p:spPr>
           <a:xfrm>
             <a:off x="457200" y="3963600"/>
-            <a:ext cx="228240" cy="2157840"/>
+            <a:ext cx="110880" cy="2157840"/>
           </a:xfrm>
           <a:prstGeom prst="rect">
             <a:avLst/>
@@ -2451,7 +2451,7 @@
         <p:spPr>
           <a:xfrm>
             <a:off x="457200" y="-69840"/>
-            <a:ext cx="8228160" cy="1250280"/>
+            <a:ext cx="8227800" cy="1250280"/>
           </a:xfrm>
           <a:prstGeom prst="rect">
             <a:avLst/>
@@ -2488,7 +2488,7 @@
         <p:spPr>
           <a:xfrm>
             <a:off x="457200" y="1600200"/>
-            <a:ext cx="468360" cy="4524480"/>
+            <a:ext cx="227880" cy="4524120"/>
           </a:xfrm>
           <a:prstGeom prst="rect">
             <a:avLst/>
@@ -2524,7 +2524,7 @@
         <p:spPr>
           <a:xfrm>
             <a:off x="457200" y="1600200"/>
-            <a:ext cx="468360" cy="4524480"/>
+            <a:ext cx="227880" cy="4524120"/>
           </a:xfrm>
           <a:prstGeom prst="rect">
             <a:avLst/>
@@ -2559,8 +2559,8 @@
         </p:blipFill>
         <p:spPr>
           <a:xfrm>
-            <a:off x="456840" y="3675600"/>
-            <a:ext cx="468360" cy="373320"/>
+            <a:off x="456840" y="3771360"/>
+            <a:ext cx="227880" cy="181440"/>
           </a:xfrm>
           <a:prstGeom prst="rect">
             <a:avLst/>
@@ -2582,8 +2582,8 @@
         </p:blipFill>
         <p:spPr>
           <a:xfrm>
-            <a:off x="456840" y="3675600"/>
-            <a:ext cx="468360" cy="373320"/>
+            <a:off x="456840" y="3771360"/>
+            <a:ext cx="227880" cy="181440"/>
           </a:xfrm>
           <a:prstGeom prst="rect">
             <a:avLst/>
@@ -2650,7 +2650,7 @@
         <p:spPr>
           <a:xfrm>
             <a:off x="457200" y="-69840"/>
-            <a:ext cx="8228160" cy="1250280"/>
+            <a:ext cx="8227800" cy="1250280"/>
           </a:xfrm>
           <a:prstGeom prst="rect">
             <a:avLst/>
@@ -2686,8 +2686,8 @@
         </p:nvSpPr>
         <p:spPr>
           <a:xfrm>
-            <a:off x="457200" y="-695160"/>
-            <a:ext cx="468360" cy="9115560"/>
+            <a:off x="457200" y="-2995560"/>
+            <a:ext cx="227880" cy="13716000"/>
           </a:xfrm>
           <a:prstGeom prst="rect">
             <a:avLst/>
@@ -2746,7 +2746,7 @@
         <p:spPr>
           <a:xfrm>
             <a:off x="457200" y="-69840"/>
-            <a:ext cx="8228160" cy="1250280"/>
+            <a:ext cx="8227800" cy="1250280"/>
           </a:xfrm>
           <a:prstGeom prst="rect">
             <a:avLst/>
@@ -2783,7 +2783,7 @@
         <p:spPr>
           <a:xfrm>
             <a:off x="457200" y="1600200"/>
-            <a:ext cx="468360" cy="4524480"/>
+            <a:ext cx="227880" cy="4524120"/>
           </a:xfrm>
           <a:prstGeom prst="rect">
             <a:avLst/>
@@ -2841,7 +2841,7 @@
         <p:spPr>
           <a:xfrm>
             <a:off x="457200" y="-69840"/>
-            <a:ext cx="8228160" cy="1250280"/>
+            <a:ext cx="8227800" cy="1250280"/>
           </a:xfrm>
           <a:prstGeom prst="rect">
             <a:avLst/>
@@ -2878,7 +2878,7 @@
         <p:spPr>
           <a:xfrm>
             <a:off x="457200" y="1600200"/>
-            <a:ext cx="228240" cy="4524480"/>
+            <a:ext cx="110880" cy="4524120"/>
           </a:xfrm>
           <a:prstGeom prst="rect">
             <a:avLst/>
@@ -2913,8 +2913,8 @@
         </p:nvSpPr>
         <p:spPr>
           <a:xfrm>
-            <a:off x="697320" y="1600200"/>
-            <a:ext cx="228240" cy="4524480"/>
+            <a:off x="573840" y="1600200"/>
+            <a:ext cx="110880" cy="4524120"/>
           </a:xfrm>
           <a:prstGeom prst="rect">
             <a:avLst/>
@@ -2972,7 +2972,7 @@
         <p:spPr>
           <a:xfrm>
             <a:off x="457200" y="-69840"/>
-            <a:ext cx="8228160" cy="1250280"/>
+            <a:ext cx="8227800" cy="1250280"/>
           </a:xfrm>
           <a:prstGeom prst="rect">
             <a:avLst/>
@@ -3031,7 +3031,7 @@
         <p:spPr>
           <a:xfrm>
             <a:off x="457200" y="-69840"/>
-            <a:ext cx="8228160" cy="1250280"/>
+            <a:ext cx="8227800" cy="1250280"/>
           </a:xfrm>
           <a:prstGeom prst="rect">
             <a:avLst/>
@@ -3068,7 +3068,7 @@
         <p:spPr>
           <a:xfrm>
             <a:off x="457200" y="1600200"/>
-            <a:ext cx="468360" cy="4524480"/>
+            <a:ext cx="227880" cy="4524120"/>
           </a:xfrm>
           <a:prstGeom prst="rect">
             <a:avLst/>
@@ -3126,7 +3126,7 @@
         <p:spPr>
           <a:xfrm>
             <a:off x="457200" y="-69840"/>
-            <a:ext cx="8228160" cy="5795280"/>
+            <a:ext cx="8227800" cy="5795280"/>
           </a:xfrm>
           <a:prstGeom prst="rect">
             <a:avLst/>
@@ -3185,7 +3185,7 @@
         <p:spPr>
           <a:xfrm>
             <a:off x="457200" y="-69840"/>
-            <a:ext cx="8228160" cy="1250280"/>
+            <a:ext cx="8227800" cy="1250280"/>
           </a:xfrm>
           <a:prstGeom prst="rect">
             <a:avLst/>
@@ -3222,7 +3222,7 @@
         <p:spPr>
           <a:xfrm>
             <a:off x="457200" y="1600200"/>
-            <a:ext cx="228240" cy="2157840"/>
+            <a:ext cx="110880" cy="2157840"/>
           </a:xfrm>
           <a:prstGeom prst="rect">
             <a:avLst/>
@@ -3258,7 +3258,7 @@
         <p:spPr>
           <a:xfrm>
             <a:off x="457200" y="3963600"/>
-            <a:ext cx="228240" cy="2157840"/>
+            <a:ext cx="110880" cy="2157840"/>
           </a:xfrm>
           <a:prstGeom prst="rect">
             <a:avLst/>
@@ -3293,8 +3293,8 @@
         </p:nvSpPr>
         <p:spPr>
           <a:xfrm>
-            <a:off x="697320" y="1600200"/>
-            <a:ext cx="228240" cy="4524480"/>
+            <a:off x="573840" y="1600200"/>
+            <a:ext cx="110880" cy="4524120"/>
           </a:xfrm>
           <a:prstGeom prst="rect">
             <a:avLst/>
@@ -3352,7 +3352,7 @@
         <p:spPr>
           <a:xfrm>
             <a:off x="457200" y="-69840"/>
-            <a:ext cx="8228160" cy="1250280"/>
+            <a:ext cx="8227800" cy="1250280"/>
           </a:xfrm>
           <a:prstGeom prst="rect">
             <a:avLst/>
@@ -3389,7 +3389,7 @@
         <p:spPr>
           <a:xfrm>
             <a:off x="457200" y="1600200"/>
-            <a:ext cx="228240" cy="4524480"/>
+            <a:ext cx="110880" cy="4524120"/>
           </a:xfrm>
           <a:prstGeom prst="rect">
             <a:avLst/>
@@ -3424,8 +3424,8 @@
         </p:nvSpPr>
         <p:spPr>
           <a:xfrm>
-            <a:off x="697320" y="1600200"/>
-            <a:ext cx="228240" cy="2157840"/>
+            <a:off x="573840" y="1600200"/>
+            <a:ext cx="110880" cy="2157840"/>
           </a:xfrm>
           <a:prstGeom prst="rect">
             <a:avLst/>
@@ -3460,8 +3460,8 @@
         </p:nvSpPr>
         <p:spPr>
           <a:xfrm>
-            <a:off x="697320" y="3963600"/>
-            <a:ext cx="228240" cy="2157840"/>
+            <a:off x="573840" y="3963600"/>
+            <a:ext cx="110880" cy="2157840"/>
           </a:xfrm>
           <a:prstGeom prst="rect">
             <a:avLst/>
@@ -3519,7 +3519,7 @@
         <p:spPr>
           <a:xfrm>
             <a:off x="457200" y="-69840"/>
-            <a:ext cx="8228160" cy="1250280"/>
+            <a:ext cx="8227800" cy="1250280"/>
           </a:xfrm>
           <a:prstGeom prst="rect">
             <a:avLst/>
@@ -3556,7 +3556,7 @@
         <p:spPr>
           <a:xfrm>
             <a:off x="457200" y="1600200"/>
-            <a:ext cx="228240" cy="2157840"/>
+            <a:ext cx="110880" cy="2157840"/>
           </a:xfrm>
           <a:prstGeom prst="rect">
             <a:avLst/>
@@ -3591,8 +3591,8 @@
         </p:nvSpPr>
         <p:spPr>
           <a:xfrm>
-            <a:off x="697320" y="1600200"/>
-            <a:ext cx="228240" cy="2157840"/>
+            <a:off x="573840" y="1600200"/>
+            <a:ext cx="110880" cy="2157840"/>
           </a:xfrm>
           <a:prstGeom prst="rect">
             <a:avLst/>
@@ -3628,7 +3628,7 @@
         <p:spPr>
           <a:xfrm>
             <a:off x="457200" y="3963600"/>
-            <a:ext cx="468360" cy="2157840"/>
+            <a:ext cx="227880" cy="2157840"/>
           </a:xfrm>
           <a:prstGeom prst="rect">
             <a:avLst/>
@@ -3686,7 +3686,7 @@
         <p:spPr>
           <a:xfrm>
             <a:off x="457200" y="-69840"/>
-            <a:ext cx="8228160" cy="1250280"/>
+            <a:ext cx="8227800" cy="1250280"/>
           </a:xfrm>
           <a:prstGeom prst="rect">
             <a:avLst/>
@@ -3723,7 +3723,7 @@
         <p:spPr>
           <a:xfrm>
             <a:off x="457200" y="1600200"/>
-            <a:ext cx="468360" cy="2157840"/>
+            <a:ext cx="227880" cy="2157840"/>
           </a:xfrm>
           <a:prstGeom prst="rect">
             <a:avLst/>
@@ -3759,7 +3759,7 @@
         <p:spPr>
           <a:xfrm>
             <a:off x="457200" y="3963600"/>
-            <a:ext cx="468360" cy="2157840"/>
+            <a:ext cx="227880" cy="2157840"/>
           </a:xfrm>
           <a:prstGeom prst="rect">
             <a:avLst/>
@@ -3817,7 +3817,7 @@
         <p:spPr>
           <a:xfrm>
             <a:off x="457200" y="-69840"/>
-            <a:ext cx="8228160" cy="1250280"/>
+            <a:ext cx="8227800" cy="1250280"/>
           </a:xfrm>
           <a:prstGeom prst="rect">
             <a:avLst/>
@@ -3854,7 +3854,7 @@
         <p:spPr>
           <a:xfrm>
             <a:off x="457200" y="1600200"/>
-            <a:ext cx="228240" cy="2157840"/>
+            <a:ext cx="110880" cy="2157840"/>
           </a:xfrm>
           <a:prstGeom prst="rect">
             <a:avLst/>
@@ -3889,8 +3889,8 @@
         </p:nvSpPr>
         <p:spPr>
           <a:xfrm>
-            <a:off x="697320" y="1600200"/>
-            <a:ext cx="228240" cy="2157840"/>
+            <a:off x="573840" y="1600200"/>
+            <a:ext cx="110880" cy="2157840"/>
           </a:xfrm>
           <a:prstGeom prst="rect">
             <a:avLst/>
@@ -3925,8 +3925,8 @@
         </p:nvSpPr>
         <p:spPr>
           <a:xfrm>
-            <a:off x="697320" y="3963600"/>
-            <a:ext cx="228240" cy="2157840"/>
+            <a:off x="573840" y="3963600"/>
+            <a:ext cx="110880" cy="2157840"/>
           </a:xfrm>
           <a:prstGeom prst="rect">
             <a:avLst/>
@@ -3962,7 +3962,7 @@
         <p:spPr>
           <a:xfrm>
             <a:off x="457200" y="3963600"/>
-            <a:ext cx="228240" cy="2157840"/>
+            <a:ext cx="110880" cy="2157840"/>
           </a:xfrm>
           <a:prstGeom prst="rect">
             <a:avLst/>
@@ -4020,7 +4020,7 @@
         <p:spPr>
           <a:xfrm>
             <a:off x="457200" y="-69840"/>
-            <a:ext cx="8228160" cy="1250280"/>
+            <a:ext cx="8227800" cy="1250280"/>
           </a:xfrm>
           <a:prstGeom prst="rect">
             <a:avLst/>
@@ -4057,7 +4057,7 @@
         <p:spPr>
           <a:xfrm>
             <a:off x="457200" y="1600200"/>
-            <a:ext cx="468360" cy="4524480"/>
+            <a:ext cx="227880" cy="4524120"/>
           </a:xfrm>
           <a:prstGeom prst="rect">
             <a:avLst/>
@@ -4093,7 +4093,7 @@
         <p:spPr>
           <a:xfrm>
             <a:off x="457200" y="1600200"/>
-            <a:ext cx="468360" cy="4524480"/>
+            <a:ext cx="227880" cy="4524120"/>
           </a:xfrm>
           <a:prstGeom prst="rect">
             <a:avLst/>
@@ -4128,8 +4128,8 @@
         </p:blipFill>
         <p:spPr>
           <a:xfrm>
-            <a:off x="456840" y="3675600"/>
-            <a:ext cx="468360" cy="373320"/>
+            <a:off x="456840" y="3771360"/>
+            <a:ext cx="227880" cy="181440"/>
           </a:xfrm>
           <a:prstGeom prst="rect">
             <a:avLst/>
@@ -4151,8 +4151,8 @@
         </p:blipFill>
         <p:spPr>
           <a:xfrm>
-            <a:off x="456840" y="3675600"/>
-            <a:ext cx="468360" cy="373320"/>
+            <a:off x="456840" y="3771360"/>
+            <a:ext cx="227880" cy="181440"/>
           </a:xfrm>
           <a:prstGeom prst="rect">
             <a:avLst/>
@@ -4197,7 +4197,7 @@
         <p:spPr>
           <a:xfrm>
             <a:off x="457200" y="-69840"/>
-            <a:ext cx="8228160" cy="1250280"/>
+            <a:ext cx="8227800" cy="1250280"/>
           </a:xfrm>
           <a:prstGeom prst="rect">
             <a:avLst/>
@@ -4234,7 +4234,7 @@
         <p:spPr>
           <a:xfrm>
             <a:off x="457200" y="1600200"/>
-            <a:ext cx="228240" cy="4524480"/>
+            <a:ext cx="110880" cy="4524120"/>
           </a:xfrm>
           <a:prstGeom prst="rect">
             <a:avLst/>
@@ -4269,8 +4269,8 @@
         </p:nvSpPr>
         <p:spPr>
           <a:xfrm>
-            <a:off x="697320" y="1600200"/>
-            <a:ext cx="228240" cy="4524480"/>
+            <a:off x="573840" y="1600200"/>
+            <a:ext cx="110880" cy="4524120"/>
           </a:xfrm>
           <a:prstGeom prst="rect">
             <a:avLst/>
@@ -4328,7 +4328,7 @@
         <p:spPr>
           <a:xfrm>
             <a:off x="457200" y="-69840"/>
-            <a:ext cx="8228160" cy="1250280"/>
+            <a:ext cx="8227800" cy="1250280"/>
           </a:xfrm>
           <a:prstGeom prst="rect">
             <a:avLst/>
@@ -4387,7 +4387,7 @@
         <p:spPr>
           <a:xfrm>
             <a:off x="457200" y="-69840"/>
-            <a:ext cx="8228160" cy="5795280"/>
+            <a:ext cx="8227800" cy="5795280"/>
           </a:xfrm>
           <a:prstGeom prst="rect">
             <a:avLst/>
@@ -4446,7 +4446,7 @@
         <p:spPr>
           <a:xfrm>
             <a:off x="457200" y="-69840"/>
-            <a:ext cx="8228160" cy="1250280"/>
+            <a:ext cx="8227800" cy="1250280"/>
           </a:xfrm>
           <a:prstGeom prst="rect">
             <a:avLst/>
@@ -4483,7 +4483,7 @@
         <p:spPr>
           <a:xfrm>
             <a:off x="457200" y="1600200"/>
-            <a:ext cx="228240" cy="2157840"/>
+            <a:ext cx="110880" cy="2157840"/>
           </a:xfrm>
           <a:prstGeom prst="rect">
             <a:avLst/>
@@ -4519,7 +4519,7 @@
         <p:spPr>
           <a:xfrm>
             <a:off x="457200" y="3963600"/>
-            <a:ext cx="228240" cy="2157840"/>
+            <a:ext cx="110880" cy="2157840"/>
           </a:xfrm>
           <a:prstGeom prst="rect">
             <a:avLst/>
@@ -4554,8 +4554,8 @@
         </p:nvSpPr>
         <p:spPr>
           <a:xfrm>
-            <a:off x="697320" y="1600200"/>
-            <a:ext cx="228240" cy="4524480"/>
+            <a:off x="573840" y="1600200"/>
+            <a:ext cx="110880" cy="4524120"/>
           </a:xfrm>
           <a:prstGeom prst="rect">
             <a:avLst/>
@@ -4613,7 +4613,7 @@
         <p:spPr>
           <a:xfrm>
             <a:off x="457200" y="-69840"/>
-            <a:ext cx="8228160" cy="1250280"/>
+            <a:ext cx="8227800" cy="1250280"/>
           </a:xfrm>
           <a:prstGeom prst="rect">
             <a:avLst/>
@@ -4650,7 +4650,7 @@
         <p:spPr>
           <a:xfrm>
             <a:off x="457200" y="1600200"/>
-            <a:ext cx="228240" cy="4524480"/>
+            <a:ext cx="110880" cy="4524120"/>
           </a:xfrm>
           <a:prstGeom prst="rect">
             <a:avLst/>
@@ -4685,8 +4685,8 @@
         </p:nvSpPr>
         <p:spPr>
           <a:xfrm>
-            <a:off x="697320" y="1600200"/>
-            <a:ext cx="228240" cy="2157840"/>
+            <a:off x="573840" y="1600200"/>
+            <a:ext cx="110880" cy="2157840"/>
           </a:xfrm>
           <a:prstGeom prst="rect">
             <a:avLst/>
@@ -4721,8 +4721,8 @@
         </p:nvSpPr>
         <p:spPr>
           <a:xfrm>
-            <a:off x="697320" y="3963600"/>
-            <a:ext cx="228240" cy="2157840"/>
+            <a:off x="573840" y="3963600"/>
+            <a:ext cx="110880" cy="2157840"/>
           </a:xfrm>
           <a:prstGeom prst="rect">
             <a:avLst/>
@@ -4780,7 +4780,7 @@
         <p:spPr>
           <a:xfrm>
             <a:off x="457200" y="-69840"/>
-            <a:ext cx="8228160" cy="1250280"/>
+            <a:ext cx="8227800" cy="1250280"/>
           </a:xfrm>
           <a:prstGeom prst="rect">
             <a:avLst/>
@@ -4817,7 +4817,7 @@
         <p:spPr>
           <a:xfrm>
             <a:off x="457200" y="1600200"/>
-            <a:ext cx="228240" cy="2157840"/>
+            <a:ext cx="110880" cy="2157840"/>
           </a:xfrm>
           <a:prstGeom prst="rect">
             <a:avLst/>
@@ -4852,8 +4852,8 @@
         </p:nvSpPr>
         <p:spPr>
           <a:xfrm>
-            <a:off x="697320" y="1600200"/>
-            <a:ext cx="228240" cy="2157840"/>
+            <a:off x="573840" y="1600200"/>
+            <a:ext cx="110880" cy="2157840"/>
           </a:xfrm>
           <a:prstGeom prst="rect">
             <a:avLst/>
@@ -4889,7 +4889,7 @@
         <p:spPr>
           <a:xfrm>
             <a:off x="457200" y="3963600"/>
-            <a:ext cx="468360" cy="2157840"/>
+            <a:ext cx="227880" cy="2157840"/>
           </a:xfrm>
           <a:prstGeom prst="rect">
             <a:avLst/>
@@ -4950,7 +4950,7 @@
         <p:spPr>
           <a:xfrm>
             <a:off x="0" y="6082560"/>
-            <a:ext cx="9142560" cy="774000"/>
+            <a:ext cx="9142200" cy="773640"/>
           </a:xfrm>
           <a:prstGeom prst="rect">
             <a:avLst/>
@@ -4978,7 +4978,7 @@
         <p:spPr>
           <a:xfrm>
             <a:off x="0" y="0"/>
-            <a:ext cx="455760" cy="5301000"/>
+            <a:ext cx="455400" cy="5300640"/>
           </a:xfrm>
           <a:prstGeom prst="rect">
             <a:avLst/>
@@ -5008,7 +5008,7 @@
         <p:spPr>
           <a:xfrm>
             <a:off x="0" y="1949400"/>
-            <a:ext cx="455760" cy="934200"/>
+            <a:ext cx="455400" cy="933840"/>
           </a:xfrm>
           <a:prstGeom prst="rect">
             <a:avLst/>
@@ -5036,7 +5036,7 @@
         <p:spPr>
           <a:xfrm>
             <a:off x="0" y="2885400"/>
-            <a:ext cx="455760" cy="3195720"/>
+            <a:ext cx="455400" cy="3195360"/>
           </a:xfrm>
           <a:prstGeom prst="rect">
             <a:avLst/>
@@ -5066,7 +5066,7 @@
         <p:spPr>
           <a:xfrm>
             <a:off x="0" y="1559520"/>
-            <a:ext cx="455760" cy="3741480"/>
+            <a:ext cx="455400" cy="3741120"/>
           </a:xfrm>
           <a:prstGeom prst="rect">
             <a:avLst/>
@@ -5094,7 +5094,7 @@
         <p:spPr>
           <a:xfrm>
             <a:off x="0" y="3197160"/>
-            <a:ext cx="455760" cy="76680"/>
+            <a:ext cx="455400" cy="76320"/>
           </a:xfrm>
           <a:prstGeom prst="rect">
             <a:avLst/>
@@ -5120,7 +5120,7 @@
         <p:spPr>
           <a:xfrm>
             <a:off x="0" y="389880"/>
-            <a:ext cx="455760" cy="76680"/>
+            <a:ext cx="455400" cy="76320"/>
           </a:xfrm>
           <a:prstGeom prst="rect">
             <a:avLst/>
@@ -5150,7 +5150,7 @@
         <p:spPr>
           <a:xfrm>
             <a:off x="0" y="6004440"/>
-            <a:ext cx="455760" cy="76680"/>
+            <a:ext cx="455400" cy="76320"/>
           </a:xfrm>
           <a:prstGeom prst="rect">
             <a:avLst/>
@@ -5180,7 +5180,7 @@
         <p:spPr>
           <a:xfrm>
             <a:off x="0" y="0"/>
-            <a:ext cx="455760" cy="466560"/>
+            <a:ext cx="455400" cy="466200"/>
           </a:xfrm>
           <a:prstGeom prst="rect">
             <a:avLst/>
@@ -5208,7 +5208,7 @@
         <p:spPr>
           <a:xfrm>
             <a:off x="0" y="1247760"/>
-            <a:ext cx="455760" cy="154440"/>
+            <a:ext cx="455400" cy="154080"/>
           </a:xfrm>
           <a:prstGeom prst="rect">
             <a:avLst/>
@@ -5236,7 +5236,7 @@
         <p:spPr>
           <a:xfrm>
             <a:off x="0" y="5380560"/>
-            <a:ext cx="455760" cy="154440"/>
+            <a:ext cx="455400" cy="154080"/>
           </a:xfrm>
           <a:prstGeom prst="rect">
             <a:avLst/>
@@ -5268,7 +5268,7 @@
         <p:spPr>
           <a:xfrm>
             <a:off x="141120" y="6156000"/>
-            <a:ext cx="612720" cy="556560"/>
+            <a:ext cx="612360" cy="556200"/>
           </a:xfrm>
           <a:prstGeom prst="rect">
             <a:avLst/>
@@ -5287,7 +5287,7 @@
         <p:spPr>
           <a:xfrm>
             <a:off x="941040" y="6082560"/>
-            <a:ext cx="2951280" cy="698040"/>
+            <a:ext cx="2950920" cy="697680"/>
           </a:xfrm>
           <a:prstGeom prst="rect">
             <a:avLst/>
@@ -5401,7 +5401,7 @@
         <p:spPr>
           <a:xfrm>
             <a:off x="7688160" y="6234480"/>
-            <a:ext cx="1293840" cy="433440"/>
+            <a:ext cx="1293480" cy="433080"/>
           </a:xfrm>
           <a:prstGeom prst="rect">
             <a:avLst/>
@@ -5420,7 +5420,7 @@
         <p:spPr>
           <a:xfrm>
             <a:off x="0" y="6781680"/>
-            <a:ext cx="9142560" cy="74880"/>
+            <a:ext cx="9142200" cy="74520"/>
           </a:xfrm>
           <a:prstGeom prst="rect">
             <a:avLst/>
@@ -5448,7 +5448,7 @@
         <p:spPr>
           <a:xfrm>
             <a:off x="1380960" y="4214160"/>
-            <a:ext cx="6399360" cy="333360"/>
+            <a:ext cx="6399000" cy="333000"/>
           </a:xfrm>
           <a:prstGeom prst="rect">
             <a:avLst/>
@@ -5474,7 +5474,7 @@
         <p:spPr>
           <a:xfrm>
             <a:off x="0" y="6781680"/>
-            <a:ext cx="9142560" cy="74880"/>
+            <a:ext cx="9142200" cy="74520"/>
           </a:xfrm>
           <a:prstGeom prst="rect">
             <a:avLst/>
@@ -5502,7 +5502,7 @@
         <p:spPr>
           <a:xfrm>
             <a:off x="3528000" y="6082560"/>
-            <a:ext cx="4246920" cy="698040"/>
+            <a:ext cx="4246560" cy="697680"/>
           </a:xfrm>
           <a:prstGeom prst="rect">
             <a:avLst/>
@@ -5617,7 +5617,7 @@
               </a:rPr>
               <a:t>  </a:t>
             </a:r>
-            <a:fld id="{2D7CCD66-1344-47A0-B846-B5454BF07142}" type="slidenum">
+            <a:fld id="{4F72F893-43D6-4155-9F84-A1766BD6E697}" type="slidenum">
               <a:rPr b="0" lang="ru-RU" sz="1000" spc="-1" strike="noStrike">
                 <a:solidFill>
                   <a:srgbClr val="ffffff"/>
@@ -5630,7 +5630,7 @@
                 <a:latin typeface="Arial"/>
                 <a:ea typeface="ＭＳ Ｐゴシック"/>
               </a:rPr>
-              <a:t>2</a:t>
+              <a:t>&lt;номер&gt;</a:t>
             </a:fld>
             <a:endParaRPr b="0" lang="ru-RU" sz="1800" spc="-1" strike="noStrike">
               <a:solidFill>
@@ -5681,77 +5681,7 @@
                 </a:uFill>
                 <a:latin typeface="Arial"/>
               </a:rPr>
-              <a:t>Для </a:t>
-            </a:r>
-            <a:r>
-              <a:rPr b="0" lang="ru-RU" sz="4400" spc="-1" strike="noStrike">
-                <a:solidFill>
-                  <a:srgbClr val="000000"/>
-                </a:solidFill>
-                <a:uFill>
-                  <a:solidFill>
-                    <a:srgbClr val="ffffff"/>
-                  </a:solidFill>
-                </a:uFill>
-                <a:latin typeface="Arial"/>
-              </a:rPr>
-              <a:t>правки </a:t>
-            </a:r>
-            <a:r>
-              <a:rPr b="0" lang="ru-RU" sz="4400" spc="-1" strike="noStrike">
-                <a:solidFill>
-                  <a:srgbClr val="000000"/>
-                </a:solidFill>
-                <a:uFill>
-                  <a:solidFill>
-                    <a:srgbClr val="ffffff"/>
-                  </a:solidFill>
-                </a:uFill>
-                <a:latin typeface="Arial"/>
-              </a:rPr>
-              <a:t>текста </a:t>
-            </a:r>
-            <a:r>
-              <a:rPr b="0" lang="ru-RU" sz="4400" spc="-1" strike="noStrike">
-                <a:solidFill>
-                  <a:srgbClr val="000000"/>
-                </a:solidFill>
-                <a:uFill>
-                  <a:solidFill>
-                    <a:srgbClr val="ffffff"/>
-                  </a:solidFill>
-                </a:uFill>
-                <a:latin typeface="Arial"/>
-              </a:rPr>
-              <a:t>заголовка </a:t>
-            </a:r>
-            <a:r>
-              <a:rPr b="0" lang="ru-RU" sz="4400" spc="-1" strike="noStrike">
-                <a:solidFill>
-                  <a:srgbClr val="000000"/>
-                </a:solidFill>
-                <a:uFill>
-                  <a:solidFill>
-                    <a:srgbClr val="ffffff"/>
-                  </a:solidFill>
-                </a:uFill>
-                <a:latin typeface="Arial"/>
-              </a:rPr>
-              <a:t>щёлкните </a:t>
-            </a:r>
-            <a:r>
-              <a:rPr b="0" lang="ru-RU" sz="4400" spc="-1" strike="noStrike">
-                <a:solidFill>
-                  <a:srgbClr val="000000"/>
-                </a:solidFill>
-                <a:uFill>
-                  <a:solidFill>
-                    <a:srgbClr val="ffffff"/>
-                  </a:solidFill>
-                </a:uFill>
-                <a:latin typeface="Arial"/>
-              </a:rPr>
-              <a:t>мышью</a:t>
+              <a:t>Для правки текста заголовка щёлкните мышью</a:t>
             </a:r>
             <a:endParaRPr b="0" lang="ru-RU" sz="4400" spc="-1" strike="noStrike">
               <a:solidFill>
@@ -6088,7 +6018,7 @@
         <p:spPr>
           <a:xfrm>
             <a:off x="0" y="6082560"/>
-            <a:ext cx="9142560" cy="774000"/>
+            <a:ext cx="9142200" cy="773640"/>
           </a:xfrm>
           <a:prstGeom prst="rect">
             <a:avLst/>
@@ -6116,7 +6046,7 @@
         <p:spPr>
           <a:xfrm>
             <a:off x="0" y="0"/>
-            <a:ext cx="455760" cy="5301000"/>
+            <a:ext cx="455400" cy="5300640"/>
           </a:xfrm>
           <a:prstGeom prst="rect">
             <a:avLst/>
@@ -6146,7 +6076,7 @@
         <p:spPr>
           <a:xfrm>
             <a:off x="0" y="1949400"/>
-            <a:ext cx="455760" cy="934200"/>
+            <a:ext cx="455400" cy="933840"/>
           </a:xfrm>
           <a:prstGeom prst="rect">
             <a:avLst/>
@@ -6174,7 +6104,7 @@
         <p:spPr>
           <a:xfrm>
             <a:off x="0" y="2885400"/>
-            <a:ext cx="455760" cy="3195720"/>
+            <a:ext cx="455400" cy="3195360"/>
           </a:xfrm>
           <a:prstGeom prst="rect">
             <a:avLst/>
@@ -6204,7 +6134,7 @@
         <p:spPr>
           <a:xfrm>
             <a:off x="0" y="1559520"/>
-            <a:ext cx="455760" cy="3741480"/>
+            <a:ext cx="455400" cy="3741120"/>
           </a:xfrm>
           <a:prstGeom prst="rect">
             <a:avLst/>
@@ -6232,7 +6162,7 @@
         <p:spPr>
           <a:xfrm>
             <a:off x="0" y="3197160"/>
-            <a:ext cx="455760" cy="76680"/>
+            <a:ext cx="455400" cy="76320"/>
           </a:xfrm>
           <a:prstGeom prst="rect">
             <a:avLst/>
@@ -6258,7 +6188,7 @@
         <p:spPr>
           <a:xfrm>
             <a:off x="0" y="389880"/>
-            <a:ext cx="455760" cy="76680"/>
+            <a:ext cx="455400" cy="76320"/>
           </a:xfrm>
           <a:prstGeom prst="rect">
             <a:avLst/>
@@ -6288,7 +6218,7 @@
         <p:spPr>
           <a:xfrm>
             <a:off x="0" y="6004440"/>
-            <a:ext cx="455760" cy="76680"/>
+            <a:ext cx="455400" cy="76320"/>
           </a:xfrm>
           <a:prstGeom prst="rect">
             <a:avLst/>
@@ -6318,7 +6248,7 @@
         <p:spPr>
           <a:xfrm>
             <a:off x="0" y="0"/>
-            <a:ext cx="455760" cy="466560"/>
+            <a:ext cx="455400" cy="466200"/>
           </a:xfrm>
           <a:prstGeom prst="rect">
             <a:avLst/>
@@ -6346,7 +6276,7 @@
         <p:spPr>
           <a:xfrm>
             <a:off x="0" y="1247760"/>
-            <a:ext cx="455760" cy="154440"/>
+            <a:ext cx="455400" cy="154080"/>
           </a:xfrm>
           <a:prstGeom prst="rect">
             <a:avLst/>
@@ -6374,7 +6304,7 @@
         <p:spPr>
           <a:xfrm>
             <a:off x="0" y="5380560"/>
-            <a:ext cx="455760" cy="154440"/>
+            <a:ext cx="455400" cy="154080"/>
           </a:xfrm>
           <a:prstGeom prst="rect">
             <a:avLst/>
@@ -6406,7 +6336,7 @@
         <p:spPr>
           <a:xfrm>
             <a:off x="141120" y="6156000"/>
-            <a:ext cx="612720" cy="556560"/>
+            <a:ext cx="612360" cy="556200"/>
           </a:xfrm>
           <a:prstGeom prst="rect">
             <a:avLst/>
@@ -6425,7 +6355,7 @@
         <p:spPr>
           <a:xfrm>
             <a:off x="941040" y="6082560"/>
-            <a:ext cx="2951280" cy="698040"/>
+            <a:ext cx="2950920" cy="697680"/>
           </a:xfrm>
           <a:prstGeom prst="rect">
             <a:avLst/>
@@ -6539,7 +6469,7 @@
         <p:spPr>
           <a:xfrm>
             <a:off x="7776000" y="6234480"/>
-            <a:ext cx="1293840" cy="433440"/>
+            <a:ext cx="1293480" cy="433080"/>
           </a:xfrm>
           <a:prstGeom prst="rect">
             <a:avLst/>
@@ -6558,7 +6488,7 @@
         <p:spPr>
           <a:xfrm>
             <a:off x="0" y="6781680"/>
-            <a:ext cx="9142560" cy="74880"/>
+            <a:ext cx="9142200" cy="74520"/>
           </a:xfrm>
           <a:prstGeom prst="rect">
             <a:avLst/>
@@ -6586,7 +6516,7 @@
         <p:spPr>
           <a:xfrm>
             <a:off x="3528000" y="6082560"/>
-            <a:ext cx="4246920" cy="698040"/>
+            <a:ext cx="4246560" cy="697680"/>
           </a:xfrm>
           <a:prstGeom prst="rect">
             <a:avLst/>
@@ -6701,7 +6631,7 @@
               </a:rPr>
               <a:t>  </a:t>
             </a:r>
-            <a:fld id="{08837931-2F43-49BD-B853-2523BC68802F}" type="slidenum">
+            <a:fld id="{F3FA5B8E-EFCF-4C1E-AE02-E643AA55CBAB}" type="slidenum">
               <a:rPr b="0" lang="ru-RU" sz="1000" spc="-1" strike="noStrike">
                 <a:solidFill>
                   <a:srgbClr val="ffffff"/>
@@ -6714,7 +6644,7 @@
                 <a:latin typeface="Arial"/>
                 <a:ea typeface="ＭＳ Ｐゴシック"/>
               </a:rPr>
-              <a:t>&lt;номер&gt;</a:t>
+              <a:t>1</a:t>
             </a:fld>
             <a:endParaRPr b="0" lang="ru-RU" sz="1800" spc="-1" strike="noStrike">
               <a:solidFill>
@@ -7102,7 +7032,7 @@
         <p:spPr>
           <a:xfrm>
             <a:off x="0" y="6082560"/>
-            <a:ext cx="9142560" cy="774000"/>
+            <a:ext cx="9142200" cy="773640"/>
           </a:xfrm>
           <a:prstGeom prst="rect">
             <a:avLst/>
@@ -7130,7 +7060,7 @@
         <p:spPr>
           <a:xfrm>
             <a:off x="0" y="0"/>
-            <a:ext cx="455760" cy="5301000"/>
+            <a:ext cx="455400" cy="5300640"/>
           </a:xfrm>
           <a:prstGeom prst="rect">
             <a:avLst/>
@@ -7160,7 +7090,7 @@
         <p:spPr>
           <a:xfrm>
             <a:off x="0" y="1949400"/>
-            <a:ext cx="455760" cy="934200"/>
+            <a:ext cx="455400" cy="933840"/>
           </a:xfrm>
           <a:prstGeom prst="rect">
             <a:avLst/>
@@ -7188,7 +7118,7 @@
         <p:spPr>
           <a:xfrm>
             <a:off x="0" y="2885400"/>
-            <a:ext cx="455760" cy="3195720"/>
+            <a:ext cx="455400" cy="3195360"/>
           </a:xfrm>
           <a:prstGeom prst="rect">
             <a:avLst/>
@@ -7218,7 +7148,7 @@
         <p:spPr>
           <a:xfrm>
             <a:off x="0" y="1559520"/>
-            <a:ext cx="455760" cy="3741480"/>
+            <a:ext cx="455400" cy="3741120"/>
           </a:xfrm>
           <a:prstGeom prst="rect">
             <a:avLst/>
@@ -7246,7 +7176,7 @@
         <p:spPr>
           <a:xfrm>
             <a:off x="0" y="3197160"/>
-            <a:ext cx="455760" cy="76680"/>
+            <a:ext cx="455400" cy="76320"/>
           </a:xfrm>
           <a:prstGeom prst="rect">
             <a:avLst/>
@@ -7272,7 +7202,7 @@
         <p:spPr>
           <a:xfrm>
             <a:off x="0" y="389880"/>
-            <a:ext cx="455760" cy="76680"/>
+            <a:ext cx="455400" cy="76320"/>
           </a:xfrm>
           <a:prstGeom prst="rect">
             <a:avLst/>
@@ -7302,7 +7232,7 @@
         <p:spPr>
           <a:xfrm>
             <a:off x="0" y="6004440"/>
-            <a:ext cx="455760" cy="76680"/>
+            <a:ext cx="455400" cy="76320"/>
           </a:xfrm>
           <a:prstGeom prst="rect">
             <a:avLst/>
@@ -7332,7 +7262,7 @@
         <p:spPr>
           <a:xfrm>
             <a:off x="0" y="0"/>
-            <a:ext cx="455760" cy="466560"/>
+            <a:ext cx="455400" cy="466200"/>
           </a:xfrm>
           <a:prstGeom prst="rect">
             <a:avLst/>
@@ -7360,7 +7290,7 @@
         <p:spPr>
           <a:xfrm>
             <a:off x="0" y="1247760"/>
-            <a:ext cx="455760" cy="154440"/>
+            <a:ext cx="455400" cy="154080"/>
           </a:xfrm>
           <a:prstGeom prst="rect">
             <a:avLst/>
@@ -7388,7 +7318,7 @@
         <p:spPr>
           <a:xfrm>
             <a:off x="0" y="5380560"/>
-            <a:ext cx="455760" cy="154440"/>
+            <a:ext cx="455400" cy="154080"/>
           </a:xfrm>
           <a:prstGeom prst="rect">
             <a:avLst/>
@@ -7420,7 +7350,7 @@
         <p:spPr>
           <a:xfrm>
             <a:off x="141120" y="6156000"/>
-            <a:ext cx="612720" cy="556560"/>
+            <a:ext cx="612360" cy="556200"/>
           </a:xfrm>
           <a:prstGeom prst="rect">
             <a:avLst/>
@@ -7439,7 +7369,7 @@
         <p:spPr>
           <a:xfrm>
             <a:off x="941040" y="6082560"/>
-            <a:ext cx="2951280" cy="698040"/>
+            <a:ext cx="2950920" cy="697680"/>
           </a:xfrm>
           <a:prstGeom prst="rect">
             <a:avLst/>
@@ -7553,7 +7483,7 @@
         <p:spPr>
           <a:xfrm>
             <a:off x="7688160" y="6234480"/>
-            <a:ext cx="1293840" cy="433440"/>
+            <a:ext cx="1293480" cy="433080"/>
           </a:xfrm>
           <a:prstGeom prst="rect">
             <a:avLst/>
@@ -7572,7 +7502,7 @@
         <p:spPr>
           <a:xfrm>
             <a:off x="0" y="6781680"/>
-            <a:ext cx="9142560" cy="74880"/>
+            <a:ext cx="9142200" cy="74520"/>
           </a:xfrm>
           <a:prstGeom prst="rect">
             <a:avLst/>
@@ -7600,7 +7530,7 @@
         <p:spPr>
           <a:xfrm>
             <a:off x="3528000" y="6082560"/>
-            <a:ext cx="4246920" cy="698040"/>
+            <a:ext cx="4246560" cy="697680"/>
           </a:xfrm>
           <a:prstGeom prst="rect">
             <a:avLst/>
@@ -7715,7 +7645,7 @@
               </a:rPr>
               <a:t>  </a:t>
             </a:r>
-            <a:fld id="{06BD9CF1-C285-4E00-86A2-6D51950AFC89}" type="slidenum">
+            <a:fld id="{B42FB548-0015-4C25-BE0C-F4290814E3E1}" type="slidenum">
               <a:rPr b="0" lang="ru-RU" sz="1000" spc="-1" strike="noStrike">
                 <a:solidFill>
                   <a:srgbClr val="ffffff"/>
@@ -7728,7 +7658,7 @@
                 <a:latin typeface="Arial"/>
                 <a:ea typeface="ＭＳ Ｐゴシック"/>
               </a:rPr>
-              <a:t>&lt;номер&gt;</a:t>
+              <a:t>1</a:t>
             </a:fld>
             <a:endParaRPr b="0" lang="ru-RU" sz="1800" spc="-1" strike="noStrike">
               <a:solidFill>
@@ -7757,7 +7687,7 @@
         <p:spPr>
           <a:xfrm>
             <a:off x="457200" y="-69840"/>
-            <a:ext cx="8228160" cy="1249920"/>
+            <a:ext cx="8227800" cy="1249920"/>
           </a:xfrm>
           <a:prstGeom prst="rect">
             <a:avLst/>
@@ -7794,7 +7724,7 @@
         <p:spPr>
           <a:xfrm>
             <a:off x="457200" y="1600200"/>
-            <a:ext cx="468360" cy="4524480"/>
+            <a:ext cx="227880" cy="4524120"/>
           </a:xfrm>
           <a:prstGeom prst="rect">
             <a:avLst/>
@@ -8061,8 +7991,8 @@
         </p:nvSpPr>
         <p:spPr>
           <a:xfrm>
-            <a:off x="949680" y="1600200"/>
-            <a:ext cx="468360" cy="4524480"/>
+            <a:off x="697320" y="1600200"/>
+            <a:ext cx="227880" cy="4524120"/>
           </a:xfrm>
           <a:prstGeom prst="rect">
             <a:avLst/>
@@ -8363,7 +8293,7 @@
         <p:spPr>
           <a:xfrm>
             <a:off x="685800" y="1700640"/>
-            <a:ext cx="7770960" cy="1468440"/>
+            <a:ext cx="7770600" cy="1468080"/>
           </a:xfrm>
           <a:prstGeom prst="rect">
             <a:avLst/>
@@ -8425,7 +8355,7 @@
         <p:spPr>
           <a:xfrm>
             <a:off x="1371600" y="3886200"/>
-            <a:ext cx="6399360" cy="333360"/>
+            <a:ext cx="6399000" cy="333000"/>
           </a:xfrm>
           <a:prstGeom prst="rect">
             <a:avLst/>
@@ -8487,7 +8417,7 @@
         <p:spPr>
           <a:xfrm>
             <a:off x="1380960" y="4214160"/>
-            <a:ext cx="6399360" cy="333360"/>
+            <a:ext cx="6399000" cy="333000"/>
           </a:xfrm>
           <a:prstGeom prst="rect">
             <a:avLst/>
@@ -8513,7 +8443,7 @@
         <p:spPr>
           <a:xfrm>
             <a:off x="1475640" y="4731120"/>
-            <a:ext cx="6399360" cy="1064520"/>
+            <a:ext cx="6399000" cy="1064160"/>
           </a:xfrm>
           <a:prstGeom prst="rect">
             <a:avLst/>
@@ -8641,7 +8571,7 @@
         <p:spPr>
           <a:xfrm>
             <a:off x="1380960" y="4260960"/>
-            <a:ext cx="6399360" cy="286560"/>
+            <a:ext cx="6399000" cy="286200"/>
           </a:xfrm>
           <a:prstGeom prst="rect">
             <a:avLst/>
@@ -8752,7 +8682,7 @@
         <p:spPr>
           <a:xfrm>
             <a:off x="457200" y="274680"/>
-            <a:ext cx="8228160" cy="560520"/>
+            <a:ext cx="8227800" cy="560160"/>
           </a:xfrm>
           <a:prstGeom prst="rect">
             <a:avLst/>
@@ -8814,7 +8744,7 @@
         <p:spPr>
           <a:xfrm>
             <a:off x="576000" y="836280"/>
-            <a:ext cx="8228160" cy="1060560"/>
+            <a:ext cx="8227800" cy="1060200"/>
           </a:xfrm>
           <a:prstGeom prst="rect">
             <a:avLst/>
@@ -8920,7 +8850,7 @@
         <p:spPr>
           <a:xfrm>
             <a:off x="5215680" y="3966840"/>
-            <a:ext cx="3023640" cy="424080"/>
+            <a:ext cx="3023280" cy="423720"/>
           </a:xfrm>
           <a:prstGeom prst="rect">
             <a:avLst/>
@@ -9015,7 +8945,7 @@
         <p:spPr>
           <a:xfrm>
             <a:off x="457200" y="274680"/>
-            <a:ext cx="8228160" cy="560520"/>
+            <a:ext cx="8227800" cy="560160"/>
           </a:xfrm>
           <a:prstGeom prst="rect">
             <a:avLst/>
@@ -9077,7 +9007,7 @@
         <p:spPr>
           <a:xfrm>
             <a:off x="457200" y="980640"/>
-            <a:ext cx="8228160" cy="5100120"/>
+            <a:ext cx="8227800" cy="5099760"/>
           </a:xfrm>
           <a:prstGeom prst="rect">
             <a:avLst/>
@@ -9096,7 +9026,7 @@
         <p:txBody>
           <a:bodyPr lIns="90000" rIns="90000" tIns="45000" bIns="45000"/>
           <a:p>
-            <a:pPr marL="343080" indent="-341640">
+            <a:pPr marL="343080" indent="-341280">
               <a:lnSpc>
                 <a:spcPct val="100000"/>
               </a:lnSpc>
@@ -9134,7 +9064,7 @@
             </a:endParaRPr>
           </a:p>
           <a:p>
-            <a:pPr lvl="1" marL="743040" indent="-284400">
+            <a:pPr lvl="1" marL="743040" indent="-284040">
               <a:lnSpc>
                 <a:spcPct val="100000"/>
               </a:lnSpc>
@@ -9172,7 +9102,7 @@
             </a:endParaRPr>
           </a:p>
           <a:p>
-            <a:pPr lvl="1" marL="743040" indent="-284400">
+            <a:pPr lvl="1" marL="743040" indent="-284040">
               <a:lnSpc>
                 <a:spcPct val="100000"/>
               </a:lnSpc>
@@ -9210,7 +9140,7 @@
             </a:endParaRPr>
           </a:p>
           <a:p>
-            <a:pPr marL="343080" indent="-341640">
+            <a:pPr marL="343080" indent="-341280">
               <a:lnSpc>
                 <a:spcPct val="100000"/>
               </a:lnSpc>
@@ -9248,7 +9178,7 @@
             </a:endParaRPr>
           </a:p>
           <a:p>
-            <a:pPr lvl="1" marL="743040" indent="-284400">
+            <a:pPr lvl="1" marL="743040" indent="-284040">
               <a:lnSpc>
                 <a:spcPct val="100000"/>
               </a:lnSpc>
@@ -9286,7 +9216,7 @@
             </a:endParaRPr>
           </a:p>
           <a:p>
-            <a:pPr lvl="1" marL="743040" indent="-284400">
+            <a:pPr lvl="1" marL="743040" indent="-284040">
               <a:lnSpc>
                 <a:spcPct val="100000"/>
               </a:lnSpc>
@@ -9324,7 +9254,7 @@
             </a:endParaRPr>
           </a:p>
           <a:p>
-            <a:pPr lvl="1" marL="743040" indent="-284400">
+            <a:pPr lvl="1" marL="743040" indent="-284040">
               <a:lnSpc>
                 <a:spcPct val="100000"/>
               </a:lnSpc>
@@ -9362,7 +9292,7 @@
             </a:endParaRPr>
           </a:p>
           <a:p>
-            <a:pPr lvl="1" marL="743040" indent="-284400">
+            <a:pPr lvl="1" marL="743040" indent="-284040">
               <a:lnSpc>
                 <a:spcPct val="100000"/>
               </a:lnSpc>
@@ -9415,7 +9345,7 @@
             </a:endParaRPr>
           </a:p>
           <a:p>
-            <a:pPr marL="343080" indent="-341640">
+            <a:pPr marL="343080" indent="-341280">
               <a:lnSpc>
                 <a:spcPct val="100000"/>
               </a:lnSpc>
@@ -9453,7 +9383,7 @@
             </a:endParaRPr>
           </a:p>
           <a:p>
-            <a:pPr marL="343080" indent="-341640">
+            <a:pPr marL="343080" indent="-341280">
               <a:lnSpc>
                 <a:spcPct val="100000"/>
               </a:lnSpc>
@@ -9491,7 +9421,7 @@
             </a:endParaRPr>
           </a:p>
           <a:p>
-            <a:pPr lvl="1" marL="743040" indent="-284400">
+            <a:pPr lvl="1" marL="743040" indent="-284040">
               <a:lnSpc>
                 <a:spcPct val="100000"/>
               </a:lnSpc>
@@ -9529,7 +9459,7 @@
             </a:endParaRPr>
           </a:p>
           <a:p>
-            <a:pPr lvl="1" marL="743040" indent="-284400">
+            <a:pPr lvl="1" marL="743040" indent="-284040">
               <a:lnSpc>
                 <a:spcPct val="100000"/>
               </a:lnSpc>
@@ -9567,7 +9497,7 @@
             </a:endParaRPr>
           </a:p>
           <a:p>
-            <a:pPr lvl="1" marL="743040" indent="-284400">
+            <a:pPr lvl="1" marL="743040" indent="-284040">
               <a:lnSpc>
                 <a:spcPct val="100000"/>
               </a:lnSpc>
@@ -9605,7 +9535,7 @@
             </a:endParaRPr>
           </a:p>
           <a:p>
-            <a:pPr lvl="1" marL="743040" indent="-284400">
+            <a:pPr lvl="1" marL="743040" indent="-284040">
               <a:lnSpc>
                 <a:spcPct val="100000"/>
               </a:lnSpc>
@@ -9692,8 +9622,8 @@
         </p:blipFill>
         <p:spPr>
           <a:xfrm>
-            <a:off x="5040000" y="980640"/>
-            <a:ext cx="3672000" cy="2928600"/>
+            <a:off x="5256000" y="959760"/>
+            <a:ext cx="3671640" cy="2928240"/>
           </a:xfrm>
           <a:prstGeom prst="rect">
             <a:avLst/>
@@ -9761,7 +9691,7 @@
         <p:spPr>
           <a:xfrm>
             <a:off x="457200" y="274680"/>
-            <a:ext cx="8228160" cy="560520"/>
+            <a:ext cx="8227800" cy="560160"/>
           </a:xfrm>
           <a:prstGeom prst="rect">
             <a:avLst/>
@@ -9827,7 +9757,7 @@
         <p:spPr>
           <a:xfrm>
             <a:off x="1547640" y="1052640"/>
-            <a:ext cx="6586560" cy="4530240"/>
+            <a:ext cx="6586200" cy="4529880"/>
           </a:xfrm>
           <a:prstGeom prst="rect">
             <a:avLst/>
@@ -9846,7 +9776,7 @@
         <p:spPr>
           <a:xfrm>
             <a:off x="2627640" y="5584680"/>
-            <a:ext cx="3994560" cy="424080"/>
+            <a:ext cx="3994200" cy="423720"/>
           </a:xfrm>
           <a:prstGeom prst="rect">
             <a:avLst/>
@@ -9956,8 +9886,8 @@
         </p:nvSpPr>
         <p:spPr>
           <a:xfrm>
-            <a:off x="457200" y="274680"/>
-            <a:ext cx="8228160" cy="560520"/>
+            <a:off x="700200" y="72000"/>
+            <a:ext cx="8227800" cy="560160"/>
           </a:xfrm>
           <a:prstGeom prst="rect">
             <a:avLst/>
@@ -10010,39 +9940,16 @@
           </a:p>
         </p:txBody>
       </p:sp>
-      <p:pic>
-        <p:nvPicPr>
-          <p:cNvPr id="177" name="Объект 3" descr=""/>
-          <p:cNvPicPr/>
-          <p:nvPr/>
-        </p:nvPicPr>
-        <p:blipFill>
-          <a:blip r:embed="rId1"/>
-          <a:stretch/>
-        </p:blipFill>
-        <p:spPr>
-          <a:xfrm>
-            <a:off x="1331640" y="1092600"/>
-            <a:ext cx="6191280" cy="4428000"/>
-          </a:xfrm>
-          <a:prstGeom prst="rect">
-            <a:avLst/>
-          </a:prstGeom>
-          <a:ln>
-            <a:noFill/>
-          </a:ln>
-        </p:spPr>
-      </p:pic>
-      <p:sp>
-        <p:nvSpPr>
-          <p:cNvPr id="178" name="CustomShape 2"/>
+      <p:sp>
+        <p:nvSpPr>
+          <p:cNvPr id="177" name="CustomShape 2"/>
           <p:cNvSpPr/>
           <p:nvPr/>
         </p:nvSpPr>
         <p:spPr>
           <a:xfrm>
             <a:off x="1763640" y="5733360"/>
-            <a:ext cx="5615280" cy="423360"/>
+            <a:ext cx="5614920" cy="423000"/>
           </a:xfrm>
           <a:prstGeom prst="rect">
             <a:avLst/>
@@ -10095,6 +10002,29 @@
           </a:p>
         </p:txBody>
       </p:sp>
+      <p:pic>
+        <p:nvPicPr>
+          <p:cNvPr id="178" name="" descr=""/>
+          <p:cNvPicPr/>
+          <p:nvPr/>
+        </p:nvPicPr>
+        <p:blipFill>
+          <a:blip r:embed="rId1"/>
+          <a:stretch/>
+        </p:blipFill>
+        <p:spPr>
+          <a:xfrm>
+            <a:off x="792000" y="636840"/>
+            <a:ext cx="7939800" cy="5123160"/>
+          </a:xfrm>
+          <a:prstGeom prst="rect">
+            <a:avLst/>
+          </a:prstGeom>
+          <a:ln>
+            <a:noFill/>
+          </a:ln>
+        </p:spPr>
+      </p:pic>
     </p:spTree>
   </p:cSld>
   <p:timing>
@@ -10153,7 +10083,7 @@
         <p:spPr>
           <a:xfrm>
             <a:off x="457200" y="274680"/>
-            <a:ext cx="8228160" cy="560520"/>
+            <a:ext cx="8227800" cy="560160"/>
           </a:xfrm>
           <a:prstGeom prst="rect">
             <a:avLst/>
@@ -10219,7 +10149,7 @@
         <p:spPr>
           <a:xfrm>
             <a:off x="1656000" y="979560"/>
-            <a:ext cx="5830560" cy="4343400"/>
+            <a:ext cx="5830200" cy="4343040"/>
           </a:xfrm>
           <a:prstGeom prst="rect">
             <a:avLst/>
@@ -10238,7 +10168,7 @@
         <p:spPr>
           <a:xfrm>
             <a:off x="5940000" y="3717000"/>
-            <a:ext cx="1629720" cy="344880"/>
+            <a:ext cx="1629360" cy="344520"/>
           </a:xfrm>
           <a:prstGeom prst="rect">
             <a:avLst/>
@@ -10300,7 +10230,7 @@
         <p:spPr>
           <a:xfrm>
             <a:off x="771120" y="4878720"/>
-            <a:ext cx="1602000" cy="430560"/>
+            <a:ext cx="1601640" cy="430200"/>
           </a:xfrm>
           <a:prstGeom prst="rect">
             <a:avLst/>
@@ -10362,7 +10292,7 @@
         <p:spPr>
           <a:xfrm>
             <a:off x="627120" y="2630520"/>
-            <a:ext cx="1798560" cy="430560"/>
+            <a:ext cx="1798200" cy="430200"/>
           </a:xfrm>
           <a:prstGeom prst="rect">
             <a:avLst/>
@@ -10424,7 +10354,7 @@
         <p:spPr>
           <a:xfrm>
             <a:off x="827640" y="5686560"/>
-            <a:ext cx="7857720" cy="423360"/>
+            <a:ext cx="7857360" cy="423000"/>
           </a:xfrm>
           <a:prstGeom prst="rect">
             <a:avLst/>
@@ -10535,7 +10465,7 @@
         <p:spPr>
           <a:xfrm>
             <a:off x="457200" y="274680"/>
-            <a:ext cx="8228160" cy="560520"/>
+            <a:ext cx="8227800" cy="560160"/>
           </a:xfrm>
           <a:prstGeom prst="rect">
             <a:avLst/>
@@ -10597,7 +10527,7 @@
         <p:spPr>
           <a:xfrm>
             <a:off x="457200" y="980640"/>
-            <a:ext cx="8228160" cy="5100120"/>
+            <a:ext cx="8227800" cy="5099760"/>
           </a:xfrm>
           <a:prstGeom prst="rect">
             <a:avLst/>
@@ -10616,7 +10546,7 @@
         <p:txBody>
           <a:bodyPr lIns="90000" rIns="90000" tIns="45000" bIns="45000"/>
           <a:p>
-            <a:pPr marL="343080" indent="-341640">
+            <a:pPr marL="343080" indent="-341280">
               <a:lnSpc>
                 <a:spcPct val="100000"/>
               </a:lnSpc>
@@ -10654,7 +10584,7 @@
             </a:endParaRPr>
           </a:p>
           <a:p>
-            <a:pPr lvl="1" marL="743040" indent="-284400">
+            <a:pPr lvl="1" marL="743040" indent="-284040">
               <a:lnSpc>
                 <a:spcPct val="100000"/>
               </a:lnSpc>
@@ -10692,7 +10622,7 @@
             </a:endParaRPr>
           </a:p>
           <a:p>
-            <a:pPr lvl="1" marL="743040" indent="-284400">
+            <a:pPr lvl="1" marL="743040" indent="-284040">
               <a:lnSpc>
                 <a:spcPct val="100000"/>
               </a:lnSpc>
@@ -10730,7 +10660,7 @@
             </a:endParaRPr>
           </a:p>
           <a:p>
-            <a:pPr lvl="1" marL="743040" indent="-284400">
+            <a:pPr lvl="1" marL="743040" indent="-284040">
               <a:lnSpc>
                 <a:spcPct val="100000"/>
               </a:lnSpc>
@@ -10800,7 +10730,7 @@
         <p:spPr>
           <a:xfrm>
             <a:off x="6559560" y="166680"/>
-            <a:ext cx="2413440" cy="5238720"/>
+            <a:ext cx="2413080" cy="5238360"/>
           </a:xfrm>
           <a:prstGeom prst="rect">
             <a:avLst/>
@@ -10819,7 +10749,7 @@
         <p:spPr>
           <a:xfrm>
             <a:off x="6559560" y="5514840"/>
-            <a:ext cx="2583000" cy="424080"/>
+            <a:ext cx="2582640" cy="423720"/>
           </a:xfrm>
           <a:prstGeom prst="rect">
             <a:avLst/>
@@ -10874,14 +10804,14 @@
       </p:sp>
       <p:sp>
         <p:nvSpPr>
-          <p:cNvPr id="189" name="TextShape 4"/>
-          <p:cNvSpPr txBox="1"/>
+          <p:cNvPr id="189" name="CustomShape 4"/>
+          <p:cNvSpPr/>
           <p:nvPr/>
         </p:nvSpPr>
         <p:spPr>
           <a:xfrm>
             <a:off x="504000" y="2694960"/>
-            <a:ext cx="4838040" cy="1337040"/>
+            <a:ext cx="4837680" cy="1336680"/>
           </a:xfrm>
           <a:prstGeom prst="rect">
             <a:avLst/>
@@ -10891,6 +10821,12 @@
             <a:noFill/>
           </a:ln>
         </p:spPr>
+        <p:style>
+          <a:lnRef idx="0"/>
+          <a:fillRef idx="0"/>
+          <a:effectRef idx="0"/>
+          <a:fontRef idx="minor"/>
+        </p:style>
         <p:txBody>
           <a:bodyPr lIns="90000" rIns="90000" tIns="45000" bIns="45000"/>
           <a:p>
@@ -11089,7 +11025,7 @@
         <p:spPr>
           <a:xfrm>
             <a:off x="5688000" y="72000"/>
-            <a:ext cx="3360600" cy="5975280"/>
+            <a:ext cx="3360240" cy="5974920"/>
           </a:xfrm>
           <a:prstGeom prst="rect">
             <a:avLst/>
@@ -11108,7 +11044,7 @@
         <p:spPr>
           <a:xfrm>
             <a:off x="504000" y="936000"/>
-            <a:ext cx="4837320" cy="1336320"/>
+            <a:ext cx="4836960" cy="1335960"/>
           </a:xfrm>
           <a:prstGeom prst="rect">
             <a:avLst/>
@@ -11127,14 +11063,14 @@
       </p:sp>
       <p:sp>
         <p:nvSpPr>
-          <p:cNvPr id="192" name="TextShape 2"/>
-          <p:cNvSpPr txBox="1"/>
+          <p:cNvPr id="192" name="CustomShape 2"/>
+          <p:cNvSpPr/>
           <p:nvPr/>
         </p:nvSpPr>
         <p:spPr>
           <a:xfrm>
             <a:off x="633960" y="1080000"/>
-            <a:ext cx="4838040" cy="1337040"/>
+            <a:ext cx="4837680" cy="1336680"/>
           </a:xfrm>
           <a:prstGeom prst="rect">
             <a:avLst/>
@@ -11144,6 +11080,12 @@
             <a:noFill/>
           </a:ln>
         </p:spPr>
+        <p:style>
+          <a:lnRef idx="0"/>
+          <a:fillRef idx="0"/>
+          <a:effectRef idx="0"/>
+          <a:fontRef idx="minor"/>
+        </p:style>
         <p:txBody>
           <a:bodyPr lIns="90000" rIns="90000" tIns="45000" bIns="45000"/>
           <a:p>
@@ -11198,22 +11140,7 @@
                 <a:latin typeface="Arial"/>
                 <a:ea typeface="DejaVu Sans"/>
               </a:rPr>
-              <a:t>- Android above </a:t>
-            </a:r>
-            <a:r>
-              <a:rPr b="0" lang="ru-RU" sz="2000" spc="-1" strike="noStrike">
-                <a:solidFill>
-                  <a:srgbClr val="000000"/>
-                </a:solidFill>
-                <a:uFill>
-                  <a:solidFill>
-                    <a:srgbClr val="ffffff"/>
-                  </a:solidFill>
-                </a:uFill>
-                <a:latin typeface="Arial"/>
-                <a:ea typeface="DejaVu Sans"/>
-              </a:rPr>
-              <a:t>4.0</a:t>
+              <a:t>- Android above 4.0</a:t>
             </a:r>
             <a:endParaRPr b="0" lang="ru-RU" sz="1800" spc="-1" strike="noStrike">
               <a:solidFill>
@@ -11357,7 +11284,7 @@
         <p:spPr>
           <a:xfrm>
             <a:off x="504000" y="1584000"/>
-            <a:ext cx="8627400" cy="3383640"/>
+            <a:ext cx="8627040" cy="3383280"/>
           </a:xfrm>
           <a:prstGeom prst="rect">
             <a:avLst/>
@@ -11369,14 +11296,14 @@
       </p:pic>
       <p:sp>
         <p:nvSpPr>
-          <p:cNvPr id="194" name="TextShape 1"/>
-          <p:cNvSpPr txBox="1"/>
+          <p:cNvPr id="194" name="CustomShape 1"/>
+          <p:cNvSpPr/>
           <p:nvPr/>
         </p:nvSpPr>
         <p:spPr>
           <a:xfrm>
             <a:off x="2016000" y="432000"/>
-            <a:ext cx="6408000" cy="940680"/>
+            <a:ext cx="6407640" cy="940320"/>
           </a:xfrm>
           <a:prstGeom prst="rect">
             <a:avLst/>
@@ -11386,6 +11313,12 @@
             <a:noFill/>
           </a:ln>
         </p:spPr>
+        <p:style>
+          <a:lnRef idx="0"/>
+          <a:fillRef idx="0"/>
+          <a:effectRef idx="0"/>
+          <a:fontRef idx="minor"/>
+        </p:style>
         <p:txBody>
           <a:bodyPr lIns="90000" rIns="90000" tIns="45000" bIns="45000"/>
           <a:p>
@@ -11485,7 +11418,7 @@
         <p:spPr>
           <a:xfrm>
             <a:off x="2058120" y="144000"/>
-            <a:ext cx="5501160" cy="5794920"/>
+            <a:ext cx="5500800" cy="5794560"/>
           </a:xfrm>
           <a:prstGeom prst="rect">
             <a:avLst/>
